--- a/培训课件/翼支付Java定制班-课程资源-0825.pptx
+++ b/培训课件/翼支付Java定制班-课程资源-0825.pptx
@@ -111,7 +111,7 @@
   </p:defaultTextStyle>
   <p:extLst>
     <p:ext uri="{EFAFB233-063F-42B5-8137-9DF3F51BA10A}">
-      <p15:sldGuideLst xmlns="" xmlns:p15="http://schemas.microsoft.com/office/powerpoint/2012/main">
+      <p15:sldGuideLst xmlns:p15="http://schemas.microsoft.com/office/powerpoint/2012/main" xmlns="">
         <p15:guide id="1" orient="horz" pos="1620">
           <p15:clr>
             <a:srgbClr val="A4A3A4"/>
@@ -3810,24 +3810,31 @@
           </a:p>
           <a:p>
             <a:r>
-              <a:rPr lang="en-US" altLang="zh-CN" sz="2000" dirty="0">
+              <a:rPr lang="en-US" altLang="zh-CN" sz="2000">
                 <a:hlinkClick r:id="rId2"/>
               </a:rPr>
-              <a:t>http://</a:t>
-            </a:r>
-            <a:r>
-              <a:rPr lang="en-US" altLang="zh-CN" sz="2000" dirty="0" smtClean="0">
+              <a:t>http</a:t>
+            </a:r>
+            <a:r>
+              <a:rPr lang="en-US" altLang="zh-CN" sz="2000">
                 <a:hlinkClick r:id="rId2"/>
               </a:rPr>
-              <a:t>www.cnblogs.com/huyong/archive/2011/06/03/2071228.html</a:t>
+              <a:t>://</a:t>
+            </a:r>
+            <a:r>
+              <a:rPr lang="en-US" altLang="zh-CN" sz="2000" smtClean="0">
+                <a:hlinkClick r:id="rId2"/>
+              </a:rPr>
+              <a:t>www.cnblogs.com/huyong/archive/2011/06/29/2092124.html</a:t>
+            </a:r>
+            <a:endParaRPr lang="en-US" altLang="zh-CN" sz="2000" smtClean="0"/>
+          </a:p>
+          <a:p>
+            <a:r>
+              <a:rPr lang="en-US" altLang="zh-CN" sz="2000" smtClean="0"/>
+              <a:t>SSM</a:t>
             </a:r>
             <a:endParaRPr lang="en-US" altLang="zh-CN" sz="2000" dirty="0" smtClean="0"/>
-          </a:p>
-          <a:p>
-            <a:r>
-              <a:rPr lang="en-US" altLang="zh-CN" sz="2000" dirty="0" smtClean="0"/>
-              <a:t>SSM</a:t>
-            </a:r>
           </a:p>
           <a:p>
             <a:r>
@@ -4225,7 +4232,7 @@
   <a:extraClrSchemeLst/>
   <a:extLst>
     <a:ext uri="{05A4C25C-085E-4340-85A3-A5531E510DB2}">
-      <thm15:themeFamily xmlns="" xmlns:thm15="http://schemas.microsoft.com/office/thememl/2012/main" name="Office Theme" id="{62F939B6-93AF-4DB8-9C6B-D6C7DFDC589F}" vid="{4A3C46E8-61CC-4603-A589-7422A47A8E4A}"/>
+      <thm15:themeFamily xmlns:thm15="http://schemas.microsoft.com/office/thememl/2012/main" xmlns="" name="Office Theme" id="{62F939B6-93AF-4DB8-9C6B-D6C7DFDC589F}" vid="{4A3C46E8-61CC-4603-A589-7422A47A8E4A}"/>
     </a:ext>
   </a:extLst>
 </a:theme>
@@ -4486,7 +4493,7 @@
   <a:extraClrSchemeLst/>
   <a:extLst>
     <a:ext uri="{05A4C25C-085E-4340-85A3-A5531E510DB2}">
-      <thm15:themeFamily xmlns="" xmlns:thm15="http://schemas.microsoft.com/office/thememl/2012/main" name="Office Theme" id="{62F939B6-93AF-4DB8-9C6B-D6C7DFDC589F}" vid="{4A3C46E8-61CC-4603-A589-7422A47A8E4A}"/>
+      <thm15:themeFamily xmlns:thm15="http://schemas.microsoft.com/office/thememl/2012/main" xmlns="" name="Office Theme" id="{62F939B6-93AF-4DB8-9C6B-D6C7DFDC589F}" vid="{4A3C46E8-61CC-4603-A589-7422A47A8E4A}"/>
     </a:ext>
   </a:extLst>
 </a:theme>

--- a/培训课件/翼支付Java定制班-课程资源-0825.pptx
+++ b/培训课件/翼支付Java定制班-课程资源-0825.pptx
@@ -111,7 +111,7 @@
   </p:defaultTextStyle>
   <p:extLst>
     <p:ext uri="{EFAFB233-063F-42B5-8137-9DF3F51BA10A}">
-      <p15:sldGuideLst xmlns:p15="http://schemas.microsoft.com/office/powerpoint/2012/main" xmlns="">
+      <p15:sldGuideLst xmlns="" xmlns:p15="http://schemas.microsoft.com/office/powerpoint/2012/main">
         <p15:guide id="1" orient="horz" pos="1620">
           <p15:clr>
             <a:srgbClr val="A4A3A4"/>
@@ -3810,42 +3810,59 @@
           </a:p>
           <a:p>
             <a:r>
-              <a:rPr lang="en-US" altLang="zh-CN" sz="2000">
+              <a:rPr lang="en-US" altLang="zh-CN" sz="2000" dirty="0">
                 <a:hlinkClick r:id="rId2"/>
               </a:rPr>
-              <a:t>http</a:t>
-            </a:r>
-            <a:r>
-              <a:rPr lang="en-US" altLang="zh-CN" sz="2000">
-                <a:hlinkClick r:id="rId2"/>
-              </a:rPr>
-              <a:t>://</a:t>
-            </a:r>
-            <a:r>
-              <a:rPr lang="en-US" altLang="zh-CN" sz="2000" smtClean="0">
+              <a:t>http://</a:t>
+            </a:r>
+            <a:r>
+              <a:rPr lang="en-US" altLang="zh-CN" sz="2000" dirty="0" smtClean="0">
                 <a:hlinkClick r:id="rId2"/>
               </a:rPr>
               <a:t>www.cnblogs.com/huyong/archive/2011/06/29/2092124.html</a:t>
             </a:r>
-            <a:endParaRPr lang="en-US" altLang="zh-CN" sz="2000" smtClean="0"/>
-          </a:p>
-          <a:p>
-            <a:r>
-              <a:rPr lang="en-US" altLang="zh-CN" sz="2000" smtClean="0"/>
-              <a:t>SSM</a:t>
-            </a:r>
             <a:endParaRPr lang="en-US" altLang="zh-CN" sz="2000" dirty="0" smtClean="0"/>
           </a:p>
           <a:p>
             <a:r>
-              <a:rPr lang="en-US" altLang="zh-CN" sz="2000" dirty="0">
+              <a:rPr lang="en-US" altLang="zh-CN" sz="2000">
                 <a:hlinkClick r:id="rId3"/>
               </a:rPr>
+              <a:t>http</a:t>
+            </a:r>
+            <a:r>
+              <a:rPr lang="en-US" altLang="zh-CN" sz="2000">
+                <a:hlinkClick r:id="rId3"/>
+              </a:rPr>
+              <a:t>://</a:t>
+            </a:r>
+            <a:r>
+              <a:rPr lang="en-US" altLang="zh-CN" sz="2000" smtClean="0">
+                <a:hlinkClick r:id="rId3"/>
+              </a:rPr>
+              <a:t>wenku.baidu.com/link?url=Y6G2SggcvG5d6ytGOTnajEifLTZtf1mcaePJ25Vwyg2lJJd3G3i54XhmYCMoyJuu1sl5raklQZ_21f4HB5a_Nq0YlugYuY0mNUcxDOyjQHy</a:t>
+            </a:r>
+            <a:endParaRPr lang="en-US" altLang="zh-CN" sz="2000" smtClean="0"/>
+          </a:p>
+          <a:p>
+            <a:endParaRPr lang="en-US" altLang="zh-CN" sz="2000" dirty="0" smtClean="0"/>
+          </a:p>
+          <a:p>
+            <a:r>
+              <a:rPr lang="en-US" altLang="zh-CN" sz="2000" dirty="0" smtClean="0"/>
+              <a:t>SSM</a:t>
+            </a:r>
+          </a:p>
+          <a:p>
+            <a:r>
+              <a:rPr lang="en-US" altLang="zh-CN" sz="2000" dirty="0">
+                <a:hlinkClick r:id="rId4"/>
+              </a:rPr>
               <a:t>http://</a:t>
             </a:r>
             <a:r>
               <a:rPr lang="en-US" altLang="zh-CN" sz="2000" dirty="0" smtClean="0">
-                <a:hlinkClick r:id="rId3"/>
+                <a:hlinkClick r:id="rId4"/>
               </a:rPr>
               <a:t>edu.51cto.com/lesson/id-76468.html</a:t>
             </a:r>
@@ -4232,7 +4249,7 @@
   <a:extraClrSchemeLst/>
   <a:extLst>
     <a:ext uri="{05A4C25C-085E-4340-85A3-A5531E510DB2}">
-      <thm15:themeFamily xmlns:thm15="http://schemas.microsoft.com/office/thememl/2012/main" xmlns="" name="Office Theme" id="{62F939B6-93AF-4DB8-9C6B-D6C7DFDC589F}" vid="{4A3C46E8-61CC-4603-A589-7422A47A8E4A}"/>
+      <thm15:themeFamily xmlns="" xmlns:thm15="http://schemas.microsoft.com/office/thememl/2012/main" name="Office Theme" id="{62F939B6-93AF-4DB8-9C6B-D6C7DFDC589F}" vid="{4A3C46E8-61CC-4603-A589-7422A47A8E4A}"/>
     </a:ext>
   </a:extLst>
 </a:theme>
@@ -4493,7 +4510,7 @@
   <a:extraClrSchemeLst/>
   <a:extLst>
     <a:ext uri="{05A4C25C-085E-4340-85A3-A5531E510DB2}">
-      <thm15:themeFamily xmlns:thm15="http://schemas.microsoft.com/office/thememl/2012/main" xmlns="" name="Office Theme" id="{62F939B6-93AF-4DB8-9C6B-D6C7DFDC589F}" vid="{4A3C46E8-61CC-4603-A589-7422A47A8E4A}"/>
+      <thm15:themeFamily xmlns="" xmlns:thm15="http://schemas.microsoft.com/office/thememl/2012/main" name="Office Theme" id="{62F939B6-93AF-4DB8-9C6B-D6C7DFDC589F}" vid="{4A3C46E8-61CC-4603-A589-7422A47A8E4A}"/>
     </a:ext>
   </a:extLst>
 </a:theme>
